--- a/PPT FINAL.pptx
+++ b/PPT FINAL.pptx
@@ -12,18 +12,22 @@
     <p:sldId id="260" r:id="rId6"/>
     <p:sldId id="261" r:id="rId7"/>
     <p:sldId id="262" r:id="rId8"/>
-    <p:sldId id="264" r:id="rId9"/>
-    <p:sldId id="265" r:id="rId10"/>
-    <p:sldId id="266" r:id="rId11"/>
-    <p:sldId id="267" r:id="rId12"/>
-    <p:sldId id="268" r:id="rId13"/>
-    <p:sldId id="269" r:id="rId14"/>
-    <p:sldId id="270" r:id="rId15"/>
-    <p:sldId id="271" r:id="rId16"/>
-    <p:sldId id="272" r:id="rId17"/>
-    <p:sldId id="274" r:id="rId18"/>
-    <p:sldId id="275" r:id="rId19"/>
-    <p:sldId id="263" r:id="rId20"/>
+    <p:sldId id="277" r:id="rId9"/>
+    <p:sldId id="278" r:id="rId10"/>
+    <p:sldId id="279" r:id="rId11"/>
+    <p:sldId id="264" r:id="rId12"/>
+    <p:sldId id="265" r:id="rId13"/>
+    <p:sldId id="266" r:id="rId14"/>
+    <p:sldId id="267" r:id="rId15"/>
+    <p:sldId id="268" r:id="rId16"/>
+    <p:sldId id="269" r:id="rId17"/>
+    <p:sldId id="276" r:id="rId18"/>
+    <p:sldId id="270" r:id="rId19"/>
+    <p:sldId id="271" r:id="rId20"/>
+    <p:sldId id="272" r:id="rId21"/>
+    <p:sldId id="274" r:id="rId22"/>
+    <p:sldId id="275" r:id="rId23"/>
+    <p:sldId id="263" r:id="rId24"/>
   </p:sldIdLst>
   <p:sldSz cx="9144000" cy="6858000" type="screen4x3"/>
   <p:notesSz cx="6858000" cy="9144000"/>
@@ -124,7 +128,7 @@
   </p:defaultTextStyle>
   <p:extLst>
     <p:ext uri="{EFAFB233-063F-42B5-8137-9DF3F51BA10A}">
-      <p15:sldGuideLst xmlns:p15="http://schemas.microsoft.com/office/powerpoint/2012/main" xmlns="">
+      <p15:sldGuideLst xmlns:p15="http://schemas.microsoft.com/office/powerpoint/2012/main">
         <p15:guide id="1" orient="horz" pos="2160">
           <p15:clr>
             <a:srgbClr val="A4A3A4"/>
@@ -3986,6 +3990,336 @@
           <a:lstStyle/>
           <a:p>
             <a:r>
+              <a:rPr lang="es-PE" dirty="0"/>
+              <a:t>Lima cuenta con una población aproximadamente 9 millones de habitantes.</a:t>
+            </a:r>
+            <a:endParaRPr lang="es-PE" dirty="0" smtClean="0"/>
+          </a:p>
+          <a:p>
+            <a:endParaRPr lang="es-PE" dirty="0"/>
+          </a:p>
+          <a:p>
+            <a:endParaRPr lang="es-PE" dirty="0" smtClean="0"/>
+          </a:p>
+          <a:p>
+            <a:r>
+              <a:rPr lang="es-PE" dirty="0" smtClean="0"/>
+              <a:t>En </a:t>
+            </a:r>
+            <a:r>
+              <a:rPr lang="es-PE" dirty="0"/>
+              <a:t>los últimos 8 años, el número de autos que circular por Lima se han duplicado alcanzando 1 millón 200 mil vehículos en toda la ciudad y de 2 millones 200 mil vehículos en todo el </a:t>
+            </a:r>
+            <a:r>
+              <a:rPr lang="es-PE" dirty="0" smtClean="0"/>
+              <a:t>país</a:t>
+            </a:r>
+          </a:p>
+          <a:p>
+            <a:r>
+              <a:rPr lang="es-PE" dirty="0"/>
+              <a:t>En tercer lugar, según la encuesta ONG Lima Cómo Vamos, se señaló que 8 de cada 10 limeños usan el transporte público y que solo un 7.6% de los habitantes emplea auto propio.</a:t>
+            </a:r>
+          </a:p>
+          <a:p>
+            <a:pPr marL="45720" indent="0">
+              <a:buNone/>
+            </a:pPr>
+            <a:r>
+              <a:rPr lang="es-PE" dirty="0" smtClean="0"/>
+              <a:t>.</a:t>
+            </a:r>
+            <a:endParaRPr lang="en-US" dirty="0"/>
+          </a:p>
+        </p:txBody>
+      </p:sp>
+      <p:sp>
+        <p:nvSpPr>
+          <p:cNvPr id="3" name="2 Título"/>
+          <p:cNvSpPr>
+            <a:spLocks noGrp="1"/>
+          </p:cNvSpPr>
+          <p:nvPr>
+            <p:ph type="title"/>
+          </p:nvPr>
+        </p:nvSpPr>
+        <p:spPr/>
+        <p:txBody>
+          <a:bodyPr/>
+          <a:lstStyle/>
+          <a:p>
+            <a:r>
+              <a:rPr lang="es-PE" dirty="0" smtClean="0"/>
+              <a:t>Datos estadísticos</a:t>
+            </a:r>
+            <a:endParaRPr lang="en-US" dirty="0"/>
+          </a:p>
+        </p:txBody>
+      </p:sp>
+    </p:spTree>
+    <p:extLst>
+      <p:ext uri="{BB962C8B-B14F-4D97-AF65-F5344CB8AC3E}">
+        <p14:creationId xmlns:p14="http://schemas.microsoft.com/office/powerpoint/2010/main" val="1026103118"/>
+      </p:ext>
+    </p:extLst>
+  </p:cSld>
+  <p:clrMapOvr>
+    <a:masterClrMapping/>
+  </p:clrMapOvr>
+  <p:timing>
+    <p:tnLst>
+      <p:par>
+        <p:cTn id="1" dur="indefinite" restart="never" nodeType="tmRoot"/>
+      </p:par>
+    </p:tnLst>
+  </p:timing>
+</p:sld>
+</file>
+
+<file path=ppt/slides/slide11.xml><?xml version="1.0" encoding="utf-8"?>
+<p:sld xmlns:a="http://schemas.openxmlformats.org/drawingml/2006/main" xmlns:r="http://schemas.openxmlformats.org/officeDocument/2006/relationships" xmlns:p="http://schemas.openxmlformats.org/presentationml/2006/main">
+  <p:cSld>
+    <p:spTree>
+      <p:nvGrpSpPr>
+        <p:cNvPr id="1" name=""/>
+        <p:cNvGrpSpPr/>
+        <p:nvPr/>
+      </p:nvGrpSpPr>
+      <p:grpSpPr>
+        <a:xfrm>
+          <a:off x="0" y="0"/>
+          <a:ext cx="0" cy="0"/>
+          <a:chOff x="0" y="0"/>
+          <a:chExt cx="0" cy="0"/>
+        </a:xfrm>
+      </p:grpSpPr>
+      <p:sp>
+        <p:nvSpPr>
+          <p:cNvPr id="3" name="2 Título"/>
+          <p:cNvSpPr>
+            <a:spLocks noGrp="1"/>
+          </p:cNvSpPr>
+          <p:nvPr>
+            <p:ph type="title"/>
+          </p:nvPr>
+        </p:nvSpPr>
+        <p:spPr>
+          <a:xfrm>
+            <a:off x="0" y="2514600"/>
+            <a:ext cx="9144000" cy="2286000"/>
+          </a:xfrm>
+        </p:spPr>
+        <p:txBody>
+          <a:bodyPr/>
+          <a:lstStyle/>
+          <a:p>
+            <a:r>
+              <a:rPr lang="es-PE" sz="5400" dirty="0" smtClean="0">
+                <a:solidFill>
+                  <a:schemeClr val="tx1">
+                    <a:lumMod val="95000"/>
+                    <a:lumOff val="5000"/>
+                  </a:schemeClr>
+                </a:solidFill>
+              </a:rPr>
+              <a:t>Tecnologías a utilizar</a:t>
+            </a:r>
+            <a:endParaRPr lang="en-US" sz="5400" dirty="0">
+              <a:solidFill>
+                <a:schemeClr val="tx1">
+                  <a:lumMod val="95000"/>
+                  <a:lumOff val="5000"/>
+                </a:schemeClr>
+              </a:solidFill>
+            </a:endParaRPr>
+          </a:p>
+        </p:txBody>
+      </p:sp>
+    </p:spTree>
+    <p:extLst>
+      <p:ext uri="{BB962C8B-B14F-4D97-AF65-F5344CB8AC3E}">
+        <p14:creationId xmlns:p14="http://schemas.microsoft.com/office/powerpoint/2010/main" val="2333547870"/>
+      </p:ext>
+    </p:extLst>
+  </p:cSld>
+  <p:clrMapOvr>
+    <a:masterClrMapping/>
+  </p:clrMapOvr>
+  <p:timing>
+    <p:tnLst>
+      <p:par>
+        <p:cTn id="1" dur="indefinite" restart="never" nodeType="tmRoot"/>
+      </p:par>
+    </p:tnLst>
+  </p:timing>
+</p:sld>
+</file>
+
+<file path=ppt/slides/slide12.xml><?xml version="1.0" encoding="utf-8"?>
+<p:sld xmlns:a="http://schemas.openxmlformats.org/drawingml/2006/main" xmlns:r="http://schemas.openxmlformats.org/officeDocument/2006/relationships" xmlns:p="http://schemas.openxmlformats.org/presentationml/2006/main">
+  <p:cSld>
+    <p:spTree>
+      <p:nvGrpSpPr>
+        <p:cNvPr id="1" name=""/>
+        <p:cNvGrpSpPr/>
+        <p:nvPr/>
+      </p:nvGrpSpPr>
+      <p:grpSpPr>
+        <a:xfrm>
+          <a:off x="0" y="0"/>
+          <a:ext cx="0" cy="0"/>
+          <a:chOff x="0" y="0"/>
+          <a:chExt cx="0" cy="0"/>
+        </a:xfrm>
+      </p:grpSpPr>
+      <p:sp>
+        <p:nvSpPr>
+          <p:cNvPr id="2" name="1 Marcador de contenido"/>
+          <p:cNvSpPr>
+            <a:spLocks noGrp="1"/>
+          </p:cNvSpPr>
+          <p:nvPr>
+            <p:ph idx="1"/>
+          </p:nvPr>
+        </p:nvSpPr>
+        <p:spPr/>
+        <p:txBody>
+          <a:bodyPr/>
+          <a:lstStyle/>
+          <a:p>
+            <a:r>
+              <a:rPr lang="es-PE" dirty="0" smtClean="0"/>
+              <a:t>Es un leguaje de programación de alto nivel desarrollado por </a:t>
+            </a:r>
+            <a:r>
+              <a:rPr lang="es-PE" dirty="0" err="1" smtClean="0"/>
+              <a:t>SunMicroSystem</a:t>
+            </a:r>
+            <a:r>
+              <a:rPr lang="es-PE" dirty="0" smtClean="0"/>
+              <a:t>.</a:t>
+            </a:r>
+            <a:endParaRPr lang="en-US" dirty="0"/>
+          </a:p>
+        </p:txBody>
+      </p:sp>
+      <p:sp>
+        <p:nvSpPr>
+          <p:cNvPr id="3" name="2 Título"/>
+          <p:cNvSpPr>
+            <a:spLocks noGrp="1"/>
+          </p:cNvSpPr>
+          <p:nvPr>
+            <p:ph type="title"/>
+          </p:nvPr>
+        </p:nvSpPr>
+        <p:spPr/>
+        <p:txBody>
+          <a:bodyPr/>
+          <a:lstStyle/>
+          <a:p>
+            <a:r>
+              <a:rPr lang="es-PE" dirty="0" smtClean="0"/>
+              <a:t>Java</a:t>
+            </a:r>
+            <a:endParaRPr lang="en-US" dirty="0"/>
+          </a:p>
+        </p:txBody>
+      </p:sp>
+      <p:pic>
+        <p:nvPicPr>
+          <p:cNvPr id="8196" name="Picture 4" descr="http://www.trucosicloud.com/wp-content/uploads/2015/04/62d9f__1.PNG"/>
+          <p:cNvPicPr>
+            <a:picLocks noChangeAspect="1" noChangeArrowheads="1"/>
+          </p:cNvPicPr>
+          <p:nvPr/>
+        </p:nvPicPr>
+        <p:blipFill>
+          <a:blip r:embed="rId2">
+            <a:extLst>
+              <a:ext uri="{28A0092B-C50C-407E-A947-70E740481C1C}">
+                <a14:useLocalDpi xmlns:a14="http://schemas.microsoft.com/office/drawing/2010/main" val="0"/>
+              </a:ext>
+            </a:extLst>
+          </a:blip>
+          <a:srcRect/>
+          <a:stretch>
+            <a:fillRect/>
+          </a:stretch>
+        </p:blipFill>
+        <p:spPr bwMode="auto">
+          <a:xfrm>
+            <a:off x="3429000" y="3200400"/>
+            <a:ext cx="2438400" cy="2438400"/>
+          </a:xfrm>
+          <a:prstGeom prst="rect">
+            <a:avLst/>
+          </a:prstGeom>
+          <a:noFill/>
+          <a:extLst>
+            <a:ext uri="{909E8E84-426E-40DD-AFC4-6F175D3DCCD1}">
+              <a14:hiddenFill xmlns:a14="http://schemas.microsoft.com/office/drawing/2010/main">
+                <a:solidFill>
+                  <a:srgbClr val="FFFFFF"/>
+                </a:solidFill>
+              </a14:hiddenFill>
+            </a:ext>
+          </a:extLst>
+        </p:spPr>
+      </p:pic>
+    </p:spTree>
+    <p:extLst>
+      <p:ext uri="{BB962C8B-B14F-4D97-AF65-F5344CB8AC3E}">
+        <p14:creationId xmlns:p14="http://schemas.microsoft.com/office/powerpoint/2010/main" val="1738794738"/>
+      </p:ext>
+    </p:extLst>
+  </p:cSld>
+  <p:clrMapOvr>
+    <a:masterClrMapping/>
+  </p:clrMapOvr>
+  <p:timing>
+    <p:tnLst>
+      <p:par>
+        <p:cTn id="1" dur="indefinite" restart="never" nodeType="tmRoot"/>
+      </p:par>
+    </p:tnLst>
+  </p:timing>
+</p:sld>
+</file>
+
+<file path=ppt/slides/slide13.xml><?xml version="1.0" encoding="utf-8"?>
+<p:sld xmlns:a="http://schemas.openxmlformats.org/drawingml/2006/main" xmlns:r="http://schemas.openxmlformats.org/officeDocument/2006/relationships" xmlns:p="http://schemas.openxmlformats.org/presentationml/2006/main">
+  <p:cSld>
+    <p:spTree>
+      <p:nvGrpSpPr>
+        <p:cNvPr id="1" name=""/>
+        <p:cNvGrpSpPr/>
+        <p:nvPr/>
+      </p:nvGrpSpPr>
+      <p:grpSpPr>
+        <a:xfrm>
+          <a:off x="0" y="0"/>
+          <a:ext cx="0" cy="0"/>
+          <a:chOff x="0" y="0"/>
+          <a:chExt cx="0" cy="0"/>
+        </a:xfrm>
+      </p:grpSpPr>
+      <p:sp>
+        <p:nvSpPr>
+          <p:cNvPr id="2" name="1 Marcador de contenido"/>
+          <p:cNvSpPr>
+            <a:spLocks noGrp="1"/>
+          </p:cNvSpPr>
+          <p:nvPr>
+            <p:ph idx="1"/>
+          </p:nvPr>
+        </p:nvSpPr>
+        <p:spPr/>
+        <p:txBody>
+          <a:bodyPr/>
+          <a:lstStyle/>
+          <a:p>
+            <a:r>
               <a:rPr lang="es-PE" dirty="0" smtClean="0"/>
               <a:t>Es un servidor de aplicaciones Java EE y también un servidor web HTTP, este servidor puede ejecutarse en diferentes plataformas como Unix, Linux, Microsoft y otras plataformas</a:t>
             </a:r>
@@ -4077,7 +4411,7 @@
 </p:sld>
 </file>
 
-<file path=ppt/slides/slide11.xml><?xml version="1.0" encoding="utf-8"?>
+<file path=ppt/slides/slide14.xml><?xml version="1.0" encoding="utf-8"?>
 <p:sld xmlns:a="http://schemas.openxmlformats.org/drawingml/2006/main" xmlns:r="http://schemas.openxmlformats.org/officeDocument/2006/relationships" xmlns:p="http://schemas.openxmlformats.org/presentationml/2006/main">
   <p:cSld>
     <p:spTree>
@@ -4201,7 +4535,7 @@
 </p:sld>
 </file>
 
-<file path=ppt/slides/slide12.xml><?xml version="1.0" encoding="utf-8"?>
+<file path=ppt/slides/slide15.xml><?xml version="1.0" encoding="utf-8"?>
 <p:sld xmlns:a="http://schemas.openxmlformats.org/drawingml/2006/main" xmlns:r="http://schemas.openxmlformats.org/officeDocument/2006/relationships" xmlns:p="http://schemas.openxmlformats.org/presentationml/2006/main">
   <p:cSld>
     <p:spTree>
@@ -4300,7 +4634,7 @@
 </p:sld>
 </file>
 
-<file path=ppt/slides/slide13.xml><?xml version="1.0" encoding="utf-8"?>
+<file path=ppt/slides/slide16.xml><?xml version="1.0" encoding="utf-8"?>
 <p:sld xmlns:a="http://schemas.openxmlformats.org/drawingml/2006/main" xmlns:r="http://schemas.openxmlformats.org/officeDocument/2006/relationships" xmlns:p="http://schemas.openxmlformats.org/presentationml/2006/main">
   <p:cSld>
     <p:spTree>
@@ -4386,7 +4720,221 @@
 </p:sld>
 </file>
 
-<file path=ppt/slides/slide14.xml><?xml version="1.0" encoding="utf-8"?>
+<file path=ppt/slides/slide17.xml><?xml version="1.0" encoding="utf-8"?>
+<p:sld xmlns:a="http://schemas.openxmlformats.org/drawingml/2006/main" xmlns:r="http://schemas.openxmlformats.org/officeDocument/2006/relationships" xmlns:p="http://schemas.openxmlformats.org/presentationml/2006/main">
+  <p:cSld>
+    <p:spTree>
+      <p:nvGrpSpPr>
+        <p:cNvPr id="1" name=""/>
+        <p:cNvGrpSpPr/>
+        <p:nvPr/>
+      </p:nvGrpSpPr>
+      <p:grpSpPr>
+        <a:xfrm>
+          <a:off x="0" y="0"/>
+          <a:ext cx="0" cy="0"/>
+          <a:chOff x="0" y="0"/>
+          <a:chExt cx="0" cy="0"/>
+        </a:xfrm>
+      </p:grpSpPr>
+      <p:sp>
+        <p:nvSpPr>
+          <p:cNvPr id="2" name="Marcador de contenido 1"/>
+          <p:cNvSpPr>
+            <a:spLocks noGrp="1"/>
+          </p:cNvSpPr>
+          <p:nvPr>
+            <p:ph idx="1"/>
+          </p:nvPr>
+        </p:nvSpPr>
+        <p:spPr>
+          <a:xfrm>
+            <a:off x="606424" y="6225788"/>
+            <a:ext cx="5345129" cy="2341436"/>
+          </a:xfrm>
+        </p:spPr>
+        <p:txBody>
+          <a:bodyPr/>
+          <a:lstStyle/>
+          <a:p>
+            <a:endParaRPr lang="es-PE" dirty="0" smtClean="0"/>
+          </a:p>
+          <a:p>
+            <a:pPr marL="45720" indent="0">
+              <a:buNone/>
+            </a:pPr>
+            <a:endParaRPr lang="es-PE" dirty="0"/>
+          </a:p>
+        </p:txBody>
+      </p:sp>
+      <p:sp>
+        <p:nvSpPr>
+          <p:cNvPr id="3" name="Título 2"/>
+          <p:cNvSpPr>
+            <a:spLocks noGrp="1"/>
+          </p:cNvSpPr>
+          <p:nvPr>
+            <p:ph type="title"/>
+          </p:nvPr>
+        </p:nvSpPr>
+        <p:spPr/>
+        <p:txBody>
+          <a:bodyPr/>
+          <a:lstStyle/>
+          <a:p>
+            <a:r>
+              <a:rPr lang="es-PE" dirty="0" err="1" smtClean="0"/>
+              <a:t>Aplicacion</a:t>
+            </a:r>
+            <a:r>
+              <a:rPr lang="es-PE" dirty="0" smtClean="0"/>
+              <a:t> </a:t>
+            </a:r>
+            <a:r>
+              <a:rPr lang="es-PE" dirty="0" err="1" smtClean="0"/>
+              <a:t>movil</a:t>
+            </a:r>
+            <a:endParaRPr lang="es-PE" dirty="0"/>
+          </a:p>
+        </p:txBody>
+      </p:sp>
+      <p:pic>
+        <p:nvPicPr>
+          <p:cNvPr id="1026" name="Picture 2" descr="http://vignette3.wikia.nocookie.net/megajump/images/2/27/Android_Robot.png/revision/latest?cb=20110822221600"/>
+          <p:cNvPicPr>
+            <a:picLocks noChangeAspect="1" noChangeArrowheads="1"/>
+          </p:cNvPicPr>
+          <p:nvPr/>
+        </p:nvPicPr>
+        <p:blipFill>
+          <a:blip r:embed="rId2">
+            <a:extLst>
+              <a:ext uri="{28A0092B-C50C-407E-A947-70E740481C1C}">
+                <a14:useLocalDpi xmlns:a14="http://schemas.microsoft.com/office/drawing/2010/main" val="0"/>
+              </a:ext>
+            </a:extLst>
+          </a:blip>
+          <a:srcRect/>
+          <a:stretch>
+            <a:fillRect/>
+          </a:stretch>
+        </p:blipFill>
+        <p:spPr bwMode="auto">
+          <a:xfrm>
+            <a:off x="990600" y="2276475"/>
+            <a:ext cx="2590800" cy="2590801"/>
+          </a:xfrm>
+          <a:prstGeom prst="rect">
+            <a:avLst/>
+          </a:prstGeom>
+          <a:noFill/>
+          <a:extLst>
+            <a:ext uri="{909E8E84-426E-40DD-AFC4-6F175D3DCCD1}">
+              <a14:hiddenFill xmlns:a14="http://schemas.microsoft.com/office/drawing/2010/main">
+                <a:solidFill>
+                  <a:srgbClr val="FFFFFF"/>
+                </a:solidFill>
+              </a14:hiddenFill>
+            </a:ext>
+          </a:extLst>
+        </p:spPr>
+      </p:pic>
+      <p:pic>
+        <p:nvPicPr>
+          <p:cNvPr id="1030" name="Picture 6" descr="Archivo:Windows Phone 8 logo.png"/>
+          <p:cNvPicPr>
+            <a:picLocks noChangeAspect="1" noChangeArrowheads="1"/>
+          </p:cNvPicPr>
+          <p:nvPr/>
+        </p:nvPicPr>
+        <p:blipFill>
+          <a:blip r:embed="rId3">
+            <a:extLst>
+              <a:ext uri="{28A0092B-C50C-407E-A947-70E740481C1C}">
+                <a14:useLocalDpi xmlns:a14="http://schemas.microsoft.com/office/drawing/2010/main" val="0"/>
+              </a:ext>
+            </a:extLst>
+          </a:blip>
+          <a:srcRect/>
+          <a:stretch>
+            <a:fillRect/>
+          </a:stretch>
+        </p:blipFill>
+        <p:spPr bwMode="auto">
+          <a:xfrm>
+            <a:off x="1371600" y="5104860"/>
+            <a:ext cx="6086475" cy="1428750"/>
+          </a:xfrm>
+          <a:prstGeom prst="rect">
+            <a:avLst/>
+          </a:prstGeom>
+          <a:noFill/>
+          <a:extLst>
+            <a:ext uri="{909E8E84-426E-40DD-AFC4-6F175D3DCCD1}">
+              <a14:hiddenFill xmlns:a14="http://schemas.microsoft.com/office/drawing/2010/main">
+                <a:solidFill>
+                  <a:srgbClr val="FFFFFF"/>
+                </a:solidFill>
+              </a14:hiddenFill>
+            </a:ext>
+          </a:extLst>
+        </p:spPr>
+      </p:pic>
+      <p:pic>
+        <p:nvPicPr>
+          <p:cNvPr id="1032" name="Picture 8" descr="http://vignette3.wikia.nocookie.net/telefono/images/7/7d/Apple.png/revision/latest?cb=20131230182623&amp;path-prefix=es"/>
+          <p:cNvPicPr>
+            <a:picLocks noChangeAspect="1" noChangeArrowheads="1"/>
+          </p:cNvPicPr>
+          <p:nvPr/>
+        </p:nvPicPr>
+        <p:blipFill>
+          <a:blip r:embed="rId4" cstate="print">
+            <a:extLst>
+              <a:ext uri="{28A0092B-C50C-407E-A947-70E740481C1C}">
+                <a14:useLocalDpi xmlns:a14="http://schemas.microsoft.com/office/drawing/2010/main" val="0"/>
+              </a:ext>
+            </a:extLst>
+          </a:blip>
+          <a:srcRect/>
+          <a:stretch>
+            <a:fillRect/>
+          </a:stretch>
+        </p:blipFill>
+        <p:spPr bwMode="auto">
+          <a:xfrm>
+            <a:off x="5410200" y="2066004"/>
+            <a:ext cx="2226211" cy="2725991"/>
+          </a:xfrm>
+          <a:prstGeom prst="rect">
+            <a:avLst/>
+          </a:prstGeom>
+          <a:noFill/>
+          <a:extLst>
+            <a:ext uri="{909E8E84-426E-40DD-AFC4-6F175D3DCCD1}">
+              <a14:hiddenFill xmlns:a14="http://schemas.microsoft.com/office/drawing/2010/main">
+                <a:solidFill>
+                  <a:srgbClr val="FFFFFF"/>
+                </a:solidFill>
+              </a14:hiddenFill>
+            </a:ext>
+          </a:extLst>
+        </p:spPr>
+      </p:pic>
+    </p:spTree>
+    <p:extLst>
+      <p:ext uri="{BB962C8B-B14F-4D97-AF65-F5344CB8AC3E}">
+        <p14:creationId xmlns:p14="http://schemas.microsoft.com/office/powerpoint/2010/main" val="2963750532"/>
+      </p:ext>
+    </p:extLst>
+  </p:cSld>
+  <p:clrMapOvr>
+    <a:masterClrMapping/>
+  </p:clrMapOvr>
+</p:sld>
+</file>
+
+<file path=ppt/slides/slide18.xml><?xml version="1.0" encoding="utf-8"?>
 <p:sld xmlns:a="http://schemas.openxmlformats.org/drawingml/2006/main" xmlns:r="http://schemas.openxmlformats.org/officeDocument/2006/relationships" xmlns:p="http://schemas.openxmlformats.org/presentationml/2006/main">
   <p:cSld>
     <p:spTree>
@@ -4514,7 +5062,7 @@
 </p:sld>
 </file>
 
-<file path=ppt/slides/slide15.xml><?xml version="1.0" encoding="utf-8"?>
+<file path=ppt/slides/slide19.xml><?xml version="1.0" encoding="utf-8"?>
 <p:sld xmlns:a="http://schemas.openxmlformats.org/drawingml/2006/main" xmlns:r="http://schemas.openxmlformats.org/officeDocument/2006/relationships" xmlns:p="http://schemas.openxmlformats.org/presentationml/2006/main">
   <p:cSld>
     <p:spTree>
@@ -4625,7 +5173,170 @@
 </p:sld>
 </file>
 
-<file path=ppt/slides/slide16.xml><?xml version="1.0" encoding="utf-8"?>
+<file path=ppt/slides/slide2.xml><?xml version="1.0" encoding="utf-8"?>
+<p:sld xmlns:a="http://schemas.openxmlformats.org/drawingml/2006/main" xmlns:r="http://schemas.openxmlformats.org/officeDocument/2006/relationships" xmlns:p="http://schemas.openxmlformats.org/presentationml/2006/main">
+  <p:cSld>
+    <p:spTree>
+      <p:nvGrpSpPr>
+        <p:cNvPr id="1" name=""/>
+        <p:cNvGrpSpPr/>
+        <p:nvPr/>
+      </p:nvGrpSpPr>
+      <p:grpSpPr>
+        <a:xfrm>
+          <a:off x="0" y="0"/>
+          <a:ext cx="0" cy="0"/>
+          <a:chOff x="0" y="0"/>
+          <a:chExt cx="0" cy="0"/>
+        </a:xfrm>
+      </p:grpSpPr>
+      <p:sp>
+        <p:nvSpPr>
+          <p:cNvPr id="2" name="1 Marcador de contenido"/>
+          <p:cNvSpPr>
+            <a:spLocks noGrp="1"/>
+          </p:cNvSpPr>
+          <p:nvPr>
+            <p:ph idx="1"/>
+          </p:nvPr>
+        </p:nvSpPr>
+        <p:spPr>
+          <a:xfrm>
+            <a:off x="381000" y="1676400"/>
+            <a:ext cx="8407893" cy="4407408"/>
+          </a:xfrm>
+        </p:spPr>
+        <p:txBody>
+          <a:bodyPr/>
+          <a:lstStyle/>
+          <a:p>
+            <a:r>
+              <a:rPr lang="es-PE" dirty="0" smtClean="0"/>
+              <a:t>US01: </a:t>
+            </a:r>
+            <a:r>
+              <a:rPr lang="es-PE" dirty="0"/>
+              <a:t>Como Usuario Natural y empresa debo poder registrar una cuenta en el sistema para poder acceder a los servicios de la </a:t>
+            </a:r>
+            <a:r>
+              <a:rPr lang="es-PE" dirty="0" smtClean="0"/>
+              <a:t>aplicación.</a:t>
+            </a:r>
+          </a:p>
+          <a:p>
+            <a:r>
+              <a:rPr lang="es-PE" dirty="0" smtClean="0"/>
+              <a:t>US02: </a:t>
+            </a:r>
+            <a:r>
+              <a:rPr lang="es-PE" dirty="0" smtClean="0"/>
+              <a:t>Como </a:t>
+            </a:r>
+            <a:r>
+              <a:rPr lang="es-PE" dirty="0"/>
+              <a:t>Usuario Natural debo poder inscribirme como un Usuario Propietario para acceder a las funcionalidades del sistema correspondientes al sistema vehicular.</a:t>
+            </a:r>
+            <a:endParaRPr lang="en-US" dirty="0"/>
+          </a:p>
+          <a:p>
+            <a:endParaRPr lang="en-US" dirty="0"/>
+          </a:p>
+          <a:p>
+            <a:endParaRPr lang="en-US" dirty="0"/>
+          </a:p>
+          <a:p>
+            <a:endParaRPr lang="en-US" dirty="0"/>
+          </a:p>
+          <a:p>
+            <a:endParaRPr lang="en-US" dirty="0"/>
+          </a:p>
+        </p:txBody>
+      </p:sp>
+      <p:sp>
+        <p:nvSpPr>
+          <p:cNvPr id="3" name="2 Título"/>
+          <p:cNvSpPr>
+            <a:spLocks noGrp="1"/>
+          </p:cNvSpPr>
+          <p:nvPr>
+            <p:ph type="title"/>
+          </p:nvPr>
+        </p:nvSpPr>
+        <p:spPr/>
+        <p:txBody>
+          <a:bodyPr/>
+          <a:lstStyle/>
+          <a:p>
+            <a:r>
+              <a:rPr lang="es-PE" dirty="0" smtClean="0"/>
+              <a:t>Historias de usuarios</a:t>
+            </a:r>
+            <a:endParaRPr lang="en-US" dirty="0"/>
+          </a:p>
+        </p:txBody>
+      </p:sp>
+      <p:pic>
+        <p:nvPicPr>
+          <p:cNvPr id="2050" name="Picture 2" descr="http://upload.wikimedia.org/wikipedia/commons/thumb/1/1a/2010ChevroletCamaro-04.png/800px-2010ChevroletCamaro-04.png"/>
+          <p:cNvPicPr>
+            <a:picLocks noChangeAspect="1" noChangeArrowheads="1"/>
+          </p:cNvPicPr>
+          <p:nvPr/>
+        </p:nvPicPr>
+        <p:blipFill>
+          <a:blip r:embed="rId2" cstate="print">
+            <a:extLst>
+              <a:ext uri="{28A0092B-C50C-407E-A947-70E740481C1C}">
+                <a14:useLocalDpi xmlns:a14="http://schemas.microsoft.com/office/drawing/2010/main" val="0"/>
+              </a:ext>
+            </a:extLst>
+          </a:blip>
+          <a:srcRect/>
+          <a:stretch>
+            <a:fillRect/>
+          </a:stretch>
+        </p:blipFill>
+        <p:spPr bwMode="auto">
+          <a:xfrm>
+            <a:off x="6781800" y="5410200"/>
+            <a:ext cx="1905000" cy="1243012"/>
+          </a:xfrm>
+          <a:prstGeom prst="rect">
+            <a:avLst/>
+          </a:prstGeom>
+          <a:noFill/>
+          <a:extLst>
+            <a:ext uri="{909E8E84-426E-40DD-AFC4-6F175D3DCCD1}">
+              <a14:hiddenFill xmlns:a14="http://schemas.microsoft.com/office/drawing/2010/main">
+                <a:solidFill>
+                  <a:srgbClr val="FFFFFF"/>
+                </a:solidFill>
+              </a14:hiddenFill>
+            </a:ext>
+          </a:extLst>
+        </p:spPr>
+      </p:pic>
+    </p:spTree>
+    <p:extLst>
+      <p:ext uri="{BB962C8B-B14F-4D97-AF65-F5344CB8AC3E}">
+        <p14:creationId xmlns:p14="http://schemas.microsoft.com/office/powerpoint/2010/main" val="68561514"/>
+      </p:ext>
+    </p:extLst>
+  </p:cSld>
+  <p:clrMapOvr>
+    <a:masterClrMapping/>
+  </p:clrMapOvr>
+  <p:timing>
+    <p:tnLst>
+      <p:par>
+        <p:cTn id="1" dur="indefinite" restart="never" nodeType="tmRoot"/>
+      </p:par>
+    </p:tnLst>
+  </p:timing>
+</p:sld>
+</file>
+
+<file path=ppt/slides/slide20.xml><?xml version="1.0" encoding="utf-8"?>
 <p:sld xmlns:a="http://schemas.openxmlformats.org/drawingml/2006/main" xmlns:r="http://schemas.openxmlformats.org/officeDocument/2006/relationships" xmlns:p="http://schemas.openxmlformats.org/presentationml/2006/main">
   <p:cSld>
     <p:spTree>
@@ -4745,7 +5456,7 @@
 </p:sld>
 </file>
 
-<file path=ppt/slides/slide17.xml><?xml version="1.0" encoding="utf-8"?>
+<file path=ppt/slides/slide21.xml><?xml version="1.0" encoding="utf-8"?>
 <p:sld xmlns:a="http://schemas.openxmlformats.org/drawingml/2006/main" xmlns:r="http://schemas.openxmlformats.org/officeDocument/2006/relationships" xmlns:p="http://schemas.openxmlformats.org/presentationml/2006/main">
   <p:cSld>
     <p:spTree>
@@ -4860,7 +5571,7 @@
 </p:sld>
 </file>
 
-<file path=ppt/slides/slide18.xml><?xml version="1.0" encoding="utf-8"?>
+<file path=ppt/slides/slide22.xml><?xml version="1.0" encoding="utf-8"?>
 <p:sld xmlns:a="http://schemas.openxmlformats.org/drawingml/2006/main" xmlns:r="http://schemas.openxmlformats.org/officeDocument/2006/relationships" xmlns:p="http://schemas.openxmlformats.org/presentationml/2006/main">
   <p:cSld>
     <p:spTree>
@@ -4967,7 +5678,7 @@
 </p:sld>
 </file>
 
-<file path=ppt/slides/slide19.xml><?xml version="1.0" encoding="utf-8"?>
+<file path=ppt/slides/slide23.xml><?xml version="1.0" encoding="utf-8"?>
 <p:sld xmlns:a="http://schemas.openxmlformats.org/drawingml/2006/main" xmlns:r="http://schemas.openxmlformats.org/officeDocument/2006/relationships" xmlns:p="http://schemas.openxmlformats.org/presentationml/2006/main">
   <p:cSld>
     <p:spTree>
@@ -5083,179 +5794,6 @@
 </p:sld>
 </file>
 
-<file path=ppt/slides/slide2.xml><?xml version="1.0" encoding="utf-8"?>
-<p:sld xmlns:a="http://schemas.openxmlformats.org/drawingml/2006/main" xmlns:r="http://schemas.openxmlformats.org/officeDocument/2006/relationships" xmlns:p="http://schemas.openxmlformats.org/presentationml/2006/main">
-  <p:cSld>
-    <p:spTree>
-      <p:nvGrpSpPr>
-        <p:cNvPr id="1" name=""/>
-        <p:cNvGrpSpPr/>
-        <p:nvPr/>
-      </p:nvGrpSpPr>
-      <p:grpSpPr>
-        <a:xfrm>
-          <a:off x="0" y="0"/>
-          <a:ext cx="0" cy="0"/>
-          <a:chOff x="0" y="0"/>
-          <a:chExt cx="0" cy="0"/>
-        </a:xfrm>
-      </p:grpSpPr>
-      <p:sp>
-        <p:nvSpPr>
-          <p:cNvPr id="2" name="1 Marcador de contenido"/>
-          <p:cNvSpPr>
-            <a:spLocks noGrp="1"/>
-          </p:cNvSpPr>
-          <p:nvPr>
-            <p:ph idx="1"/>
-          </p:nvPr>
-        </p:nvSpPr>
-        <p:spPr>
-          <a:xfrm>
-            <a:off x="381000" y="1676400"/>
-            <a:ext cx="8407893" cy="4407408"/>
-          </a:xfrm>
-        </p:spPr>
-        <p:txBody>
-          <a:bodyPr/>
-          <a:lstStyle/>
-          <a:p>
-            <a:r>
-              <a:rPr lang="es-PE" dirty="0" smtClean="0"/>
-              <a:t>US01: </a:t>
-            </a:r>
-            <a:r>
-              <a:rPr lang="es-PE" dirty="0"/>
-              <a:t>Como Usuario Natural y empresa debo poder registrar una cuenta en el sistema para poder acceder a los servicios de la </a:t>
-            </a:r>
-            <a:r>
-              <a:rPr lang="es-PE" dirty="0" smtClean="0"/>
-              <a:t>aplicación.</a:t>
-            </a:r>
-          </a:p>
-          <a:p>
-            <a:r>
-              <a:rPr lang="es-PE" dirty="0" smtClean="0"/>
-              <a:t>US02: Como </a:t>
-            </a:r>
-            <a:r>
-              <a:rPr lang="es-PE" dirty="0"/>
-              <a:t>Usuario Natural y empresa debo especificar el tipo de cuenta que tendré en el sistema (Natural o empresa) para tener acceso a diferentes funcionalidades</a:t>
-            </a:r>
-            <a:r>
-              <a:rPr lang="es-PE" dirty="0" smtClean="0"/>
-              <a:t>.</a:t>
-            </a:r>
-          </a:p>
-          <a:p>
-            <a:r>
-              <a:rPr lang="es-PE" dirty="0" smtClean="0"/>
-              <a:t>US03: Como </a:t>
-            </a:r>
-            <a:r>
-              <a:rPr lang="es-PE" dirty="0"/>
-              <a:t>Usuario Natural debo poder inscribirme como un Usuario Propietario para acceder a las funcionalidades del sistema correspondientes al sistema vehicular.</a:t>
-            </a:r>
-            <a:endParaRPr lang="en-US" dirty="0"/>
-          </a:p>
-          <a:p>
-            <a:endParaRPr lang="en-US" dirty="0"/>
-          </a:p>
-          <a:p>
-            <a:endParaRPr lang="en-US" dirty="0"/>
-          </a:p>
-          <a:p>
-            <a:endParaRPr lang="en-US" dirty="0"/>
-          </a:p>
-          <a:p>
-            <a:endParaRPr lang="en-US" dirty="0"/>
-          </a:p>
-        </p:txBody>
-      </p:sp>
-      <p:sp>
-        <p:nvSpPr>
-          <p:cNvPr id="3" name="2 Título"/>
-          <p:cNvSpPr>
-            <a:spLocks noGrp="1"/>
-          </p:cNvSpPr>
-          <p:nvPr>
-            <p:ph type="title"/>
-          </p:nvPr>
-        </p:nvSpPr>
-        <p:spPr/>
-        <p:txBody>
-          <a:bodyPr/>
-          <a:lstStyle/>
-          <a:p>
-            <a:r>
-              <a:rPr lang="es-PE" dirty="0" smtClean="0"/>
-              <a:t>Historias de usuarios</a:t>
-            </a:r>
-            <a:endParaRPr lang="en-US" dirty="0"/>
-          </a:p>
-        </p:txBody>
-      </p:sp>
-      <p:pic>
-        <p:nvPicPr>
-          <p:cNvPr id="2050" name="Picture 2" descr="http://upload.wikimedia.org/wikipedia/commons/thumb/1/1a/2010ChevroletCamaro-04.png/800px-2010ChevroletCamaro-04.png"/>
-          <p:cNvPicPr>
-            <a:picLocks noChangeAspect="1" noChangeArrowheads="1"/>
-          </p:cNvPicPr>
-          <p:nvPr/>
-        </p:nvPicPr>
-        <p:blipFill>
-          <a:blip r:embed="rId2" cstate="print">
-            <a:extLst>
-              <a:ext uri="{28A0092B-C50C-407E-A947-70E740481C1C}">
-                <a14:useLocalDpi xmlns:a14="http://schemas.microsoft.com/office/drawing/2010/main" val="0"/>
-              </a:ext>
-            </a:extLst>
-          </a:blip>
-          <a:srcRect/>
-          <a:stretch>
-            <a:fillRect/>
-          </a:stretch>
-        </p:blipFill>
-        <p:spPr bwMode="auto">
-          <a:xfrm>
-            <a:off x="6781800" y="5410200"/>
-            <a:ext cx="1905000" cy="1243012"/>
-          </a:xfrm>
-          <a:prstGeom prst="rect">
-            <a:avLst/>
-          </a:prstGeom>
-          <a:noFill/>
-          <a:extLst>
-            <a:ext uri="{909E8E84-426E-40DD-AFC4-6F175D3DCCD1}">
-              <a14:hiddenFill xmlns:a14="http://schemas.microsoft.com/office/drawing/2010/main">
-                <a:solidFill>
-                  <a:srgbClr val="FFFFFF"/>
-                </a:solidFill>
-              </a14:hiddenFill>
-            </a:ext>
-          </a:extLst>
-        </p:spPr>
-      </p:pic>
-    </p:spTree>
-    <p:extLst>
-      <p:ext uri="{BB962C8B-B14F-4D97-AF65-F5344CB8AC3E}">
-        <p14:creationId xmlns:p14="http://schemas.microsoft.com/office/powerpoint/2010/main" val="68561514"/>
-      </p:ext>
-    </p:extLst>
-  </p:cSld>
-  <p:clrMapOvr>
-    <a:masterClrMapping/>
-  </p:clrMapOvr>
-  <p:timing>
-    <p:tnLst>
-      <p:par>
-        <p:cTn id="1" dur="indefinite" restart="never" nodeType="tmRoot"/>
-      </p:par>
-    </p:tnLst>
-  </p:timing>
-</p:sld>
-</file>
-
 <file path=ppt/slides/slide3.xml><?xml version="1.0" encoding="utf-8"?>
 <p:sld xmlns:a="http://schemas.openxmlformats.org/drawingml/2006/main" xmlns:r="http://schemas.openxmlformats.org/officeDocument/2006/relationships" xmlns:p="http://schemas.openxmlformats.org/presentationml/2006/main">
   <p:cSld>
@@ -5290,7 +5828,7 @@
           <a:p>
             <a:r>
               <a:rPr lang="es-PE" dirty="0" smtClean="0"/>
-              <a:t>US04: </a:t>
+              <a:t>US03: </a:t>
             </a:r>
             <a:r>
               <a:rPr lang="es-PE" dirty="0"/>
@@ -5301,7 +5839,7 @@
           <a:p>
             <a:r>
               <a:rPr lang="es-PE" dirty="0" smtClean="0"/>
-              <a:t>US05: </a:t>
+              <a:t>US04: </a:t>
             </a:r>
             <a:r>
               <a:rPr lang="es-PE" dirty="0"/>
@@ -5312,7 +5850,7 @@
           <a:p>
             <a:r>
               <a:rPr lang="es-PE" dirty="0" smtClean="0"/>
-              <a:t>US06: </a:t>
+              <a:t>US05: </a:t>
             </a:r>
             <a:r>
               <a:rPr lang="es-PE" dirty="0"/>
@@ -5323,7 +5861,7 @@
           <a:p>
             <a:r>
               <a:rPr lang="es-PE" dirty="0" smtClean="0"/>
-              <a:t>US07: </a:t>
+              <a:t>US06: </a:t>
             </a:r>
             <a:r>
               <a:rPr lang="es-PE" dirty="0"/>
@@ -5461,7 +5999,7 @@
           <a:p>
             <a:r>
               <a:rPr lang="es-PE" dirty="0" smtClean="0"/>
-              <a:t>US08: </a:t>
+              <a:t>US07: </a:t>
             </a:r>
             <a:r>
               <a:rPr lang="es-PE" dirty="0"/>
@@ -5472,7 +6010,7 @@
           <a:p>
             <a:r>
               <a:rPr lang="es-PE" dirty="0" smtClean="0"/>
-              <a:t>US09: </a:t>
+              <a:t>US08: </a:t>
             </a:r>
             <a:r>
               <a:rPr lang="es-PE" dirty="0"/>
@@ -5483,7 +6021,7 @@
           <a:p>
             <a:r>
               <a:rPr lang="es-PE" dirty="0" smtClean="0"/>
-              <a:t>US10: </a:t>
+              <a:t>US09: </a:t>
             </a:r>
             <a:r>
               <a:rPr lang="es-PE" dirty="0"/>
@@ -5494,7 +6032,7 @@
           <a:p>
             <a:r>
               <a:rPr lang="es-PE" dirty="0" smtClean="0"/>
-              <a:t>US11:Como </a:t>
+              <a:t>US10:Como </a:t>
             </a:r>
             <a:r>
               <a:rPr lang="es-PE" dirty="0"/>
@@ -5625,7 +6163,7 @@
           <a:p>
             <a:r>
               <a:rPr lang="es-PE" dirty="0" smtClean="0"/>
-              <a:t>US12: </a:t>
+              <a:t>US11: </a:t>
             </a:r>
             <a:r>
               <a:rPr lang="es-PE" dirty="0"/>
@@ -5636,7 +6174,7 @@
           <a:p>
             <a:r>
               <a:rPr lang="es-PE" dirty="0" smtClean="0"/>
-              <a:t>US13: </a:t>
+              <a:t>US12: </a:t>
             </a:r>
             <a:r>
               <a:rPr lang="es-PE" dirty="0"/>
@@ -5655,7 +6193,7 @@
           <a:p>
             <a:r>
               <a:rPr lang="es-PE" dirty="0" smtClean="0"/>
-              <a:t>US14: </a:t>
+              <a:t>US13: </a:t>
             </a:r>
             <a:r>
               <a:rPr lang="es-PE" dirty="0"/>
@@ -5666,7 +6204,7 @@
           <a:p>
             <a:r>
               <a:rPr lang="es-PE" dirty="0" smtClean="0"/>
-              <a:t>US15: </a:t>
+              <a:t>US14: </a:t>
             </a:r>
             <a:r>
               <a:rPr lang="es-PE" dirty="0"/>
@@ -5801,7 +6339,7 @@
           <a:p>
             <a:r>
               <a:rPr lang="es-PE" dirty="0" smtClean="0"/>
-              <a:t>US16: </a:t>
+              <a:t>US15: </a:t>
             </a:r>
             <a:r>
               <a:rPr lang="es-PE" dirty="0"/>
@@ -5820,7 +6358,7 @@
           <a:p>
             <a:r>
               <a:rPr lang="es-PE" dirty="0" smtClean="0"/>
-              <a:t>US17: </a:t>
+              <a:t>US16: </a:t>
             </a:r>
             <a:r>
               <a:rPr lang="es-PE" dirty="0"/>
@@ -5831,7 +6369,7 @@
           <a:p>
             <a:r>
               <a:rPr lang="es-PE" dirty="0" smtClean="0"/>
-              <a:t>US18: </a:t>
+              <a:t>US17: </a:t>
             </a:r>
             <a:r>
               <a:rPr lang="es-PE" dirty="0"/>
@@ -5962,7 +6500,7 @@
           <a:p>
             <a:r>
               <a:rPr lang="es-PE" dirty="0" smtClean="0"/>
-              <a:t>US19: </a:t>
+              <a:t>US18: </a:t>
             </a:r>
             <a:r>
               <a:rPr lang="es-PE" dirty="0"/>
@@ -5982,7 +6520,7 @@
           <a:p>
             <a:r>
               <a:rPr lang="es-PE" dirty="0" smtClean="0"/>
-              <a:t>US20: </a:t>
+              <a:t>US19: </a:t>
             </a:r>
             <a:r>
               <a:rPr lang="es-PE" dirty="0"/>
@@ -6098,6 +6636,76 @@
       </p:grpSpPr>
       <p:sp>
         <p:nvSpPr>
+          <p:cNvPr id="2" name="1 Marcador de contenido"/>
+          <p:cNvSpPr>
+            <a:spLocks noGrp="1"/>
+          </p:cNvSpPr>
+          <p:nvPr>
+            <p:ph idx="1"/>
+          </p:nvPr>
+        </p:nvSpPr>
+        <p:spPr/>
+        <p:txBody>
+          <a:bodyPr/>
+          <a:lstStyle/>
+          <a:p>
+            <a:r>
+              <a:rPr lang="es-PE" dirty="0" smtClean="0"/>
+              <a:t>US20: </a:t>
+            </a:r>
+            <a:r>
+              <a:rPr lang="es-PE" dirty="0"/>
+              <a:t>Como usuario </a:t>
+            </a:r>
+            <a:r>
+              <a:rPr lang="es-PE" dirty="0" smtClean="0"/>
+              <a:t>PNP, debo visualizar todas las alertas registradas en el sistema para poder atender las emergencias de manera eficaz.</a:t>
+            </a:r>
+            <a:endParaRPr lang="en-US" dirty="0"/>
+          </a:p>
+          <a:p>
+            <a:endParaRPr lang="es-PE" dirty="0" smtClean="0"/>
+          </a:p>
+          <a:p>
+            <a:endParaRPr lang="es-PE" dirty="0"/>
+          </a:p>
+          <a:p>
+            <a:endParaRPr lang="es-PE" dirty="0" smtClean="0"/>
+          </a:p>
+          <a:p>
+            <a:r>
+              <a:rPr lang="es-PE" dirty="0" smtClean="0"/>
+              <a:t>US21: </a:t>
+            </a:r>
+            <a:r>
+              <a:rPr lang="es-PE" dirty="0"/>
+              <a:t>Como usuario </a:t>
+            </a:r>
+            <a:r>
+              <a:rPr lang="es-PE" dirty="0" smtClean="0"/>
+              <a:t>SUNAT</a:t>
+            </a:r>
+            <a:r>
+              <a:rPr lang="es-PE" dirty="0" smtClean="0"/>
+              <a:t> </a:t>
+            </a:r>
+            <a:r>
+              <a:rPr lang="es-PE" dirty="0"/>
+              <a:t>debo </a:t>
+            </a:r>
+            <a:r>
+              <a:rPr lang="es-PE" dirty="0" smtClean="0"/>
+              <a:t>visualizar los cobros realizados por los usuarios empresa para poder facilitar la fiscalización. </a:t>
+            </a:r>
+            <a:endParaRPr lang="en-US" dirty="0"/>
+          </a:p>
+          <a:p>
+            <a:endParaRPr lang="en-US" dirty="0"/>
+          </a:p>
+        </p:txBody>
+      </p:sp>
+      <p:sp>
+        <p:nvSpPr>
           <p:cNvPr id="3" name="2 Título"/>
           <p:cNvSpPr>
             <a:spLocks noGrp="1"/>
@@ -6106,42 +6714,64 @@
             <p:ph type="title"/>
           </p:nvPr>
         </p:nvSpPr>
-        <p:spPr>
+        <p:spPr/>
+        <p:txBody>
+          <a:bodyPr/>
+          <a:lstStyle/>
+          <a:p>
+            <a:r>
+              <a:rPr lang="es-PE" dirty="0" smtClean="0"/>
+              <a:t>Historias de usuarios</a:t>
+            </a:r>
+            <a:endParaRPr lang="en-US" dirty="0"/>
+          </a:p>
+        </p:txBody>
+      </p:sp>
+      <p:pic>
+        <p:nvPicPr>
+          <p:cNvPr id="7174" name="Picture 6" descr="http://www.kia.com/us/k3/content/media/mediabin/vehicle_experience/experience/vehicles/forte/2014/experience/hero_forte_2014--kia-960x.png"/>
+          <p:cNvPicPr>
+            <a:picLocks noChangeAspect="1" noChangeArrowheads="1"/>
+          </p:cNvPicPr>
+          <p:nvPr/>
+        </p:nvPicPr>
+        <p:blipFill>
+          <a:blip r:embed="rId2" cstate="print">
+            <a:extLst>
+              <a:ext uri="{28A0092B-C50C-407E-A947-70E740481C1C}">
+                <a14:useLocalDpi xmlns:a14="http://schemas.microsoft.com/office/drawing/2010/main" val="0"/>
+              </a:ext>
+            </a:extLst>
+          </a:blip>
+          <a:srcRect/>
+          <a:stretch>
+            <a:fillRect/>
+          </a:stretch>
+        </p:blipFill>
+        <p:spPr bwMode="auto">
           <a:xfrm>
-            <a:off x="0" y="2514600"/>
-            <a:ext cx="9144000" cy="2286000"/>
+            <a:off x="6019800" y="5376674"/>
+            <a:ext cx="2740025" cy="1481326"/>
           </a:xfrm>
+          <a:prstGeom prst="rect">
+            <a:avLst/>
+          </a:prstGeom>
+          <a:noFill/>
+          <a:extLst>
+            <a:ext uri="{909E8E84-426E-40DD-AFC4-6F175D3DCCD1}">
+              <a14:hiddenFill xmlns:a14="http://schemas.microsoft.com/office/drawing/2010/main">
+                <a:solidFill>
+                  <a:srgbClr val="FFFFFF"/>
+                </a:solidFill>
+              </a14:hiddenFill>
+            </a:ext>
+          </a:extLst>
         </p:spPr>
-        <p:txBody>
-          <a:bodyPr/>
-          <a:lstStyle/>
-          <a:p>
-            <a:r>
-              <a:rPr lang="es-PE" sz="5400" dirty="0" smtClean="0">
-                <a:solidFill>
-                  <a:schemeClr val="tx1">
-                    <a:lumMod val="95000"/>
-                    <a:lumOff val="5000"/>
-                  </a:schemeClr>
-                </a:solidFill>
-              </a:rPr>
-              <a:t>Tecnologías a utilizar</a:t>
-            </a:r>
-            <a:endParaRPr lang="en-US" sz="5400" dirty="0">
-              <a:solidFill>
-                <a:schemeClr val="tx1">
-                  <a:lumMod val="95000"/>
-                  <a:lumOff val="5000"/>
-                </a:schemeClr>
-              </a:solidFill>
-            </a:endParaRPr>
-          </a:p>
-        </p:txBody>
-      </p:sp>
+      </p:pic>
     </p:spTree>
     <p:extLst>
       <p:ext uri="{BB962C8B-B14F-4D97-AF65-F5344CB8AC3E}">
-        <p14:creationId xmlns:p14="http://schemas.microsoft.com/office/powerpoint/2010/main" val="2333547870"/>
+        <p14:creationId xmlns:p14="http://schemas.microsoft.com/office/powerpoint/2010/main" val="1038122192"/>
       </p:ext>
     </p:extLst>
   </p:cSld>
@@ -6177,116 +6807,78 @@
       </p:grpSpPr>
       <p:sp>
         <p:nvSpPr>
-          <p:cNvPr id="2" name="1 Marcador de contenido"/>
-          <p:cNvSpPr>
-            <a:spLocks noGrp="1"/>
-          </p:cNvSpPr>
-          <p:nvPr>
-            <p:ph idx="1"/>
-          </p:nvPr>
-        </p:nvSpPr>
-        <p:spPr/>
-        <p:txBody>
-          <a:bodyPr/>
-          <a:lstStyle/>
-          <a:p>
-            <a:r>
-              <a:rPr lang="es-PE" dirty="0" smtClean="0"/>
-              <a:t>Es un leguaje de programación de alto nivel desarrollado por </a:t>
-            </a:r>
-            <a:r>
-              <a:rPr lang="es-PE" dirty="0" err="1" smtClean="0"/>
-              <a:t>SunMicroSystem</a:t>
-            </a:r>
-            <a:r>
-              <a:rPr lang="es-PE" dirty="0" smtClean="0"/>
-              <a:t>.</a:t>
-            </a:r>
-            <a:endParaRPr lang="en-US" dirty="0"/>
-          </a:p>
-        </p:txBody>
-      </p:sp>
-      <p:sp>
-        <p:nvSpPr>
-          <p:cNvPr id="3" name="2 Título"/>
-          <p:cNvSpPr>
-            <a:spLocks noGrp="1"/>
-          </p:cNvSpPr>
-          <p:nvPr>
-            <p:ph type="title"/>
-          </p:nvPr>
-        </p:nvSpPr>
-        <p:spPr/>
-        <p:txBody>
-          <a:bodyPr/>
-          <a:lstStyle/>
-          <a:p>
-            <a:r>
-              <a:rPr lang="es-PE" dirty="0" smtClean="0"/>
-              <a:t>Java</a:t>
-            </a:r>
-            <a:endParaRPr lang="en-US" dirty="0"/>
-          </a:p>
-        </p:txBody>
-      </p:sp>
-      <p:pic>
-        <p:nvPicPr>
-          <p:cNvPr id="8196" name="Picture 4" descr="http://www.trucosicloud.com/wp-content/uploads/2015/04/62d9f__1.PNG"/>
-          <p:cNvPicPr>
-            <a:picLocks noChangeAspect="1" noChangeArrowheads="1"/>
-          </p:cNvPicPr>
+          <p:cNvPr id="6" name="2 Título"/>
+          <p:cNvSpPr txBox="1">
+            <a:spLocks/>
+          </p:cNvSpPr>
           <p:nvPr/>
-        </p:nvPicPr>
-        <p:blipFill>
-          <a:blip r:embed="rId2">
-            <a:extLst>
-              <a:ext uri="{28A0092B-C50C-407E-A947-70E740481C1C}">
-                <a14:useLocalDpi xmlns:a14="http://schemas.microsoft.com/office/drawing/2010/main" val="0"/>
-              </a:ext>
-            </a:extLst>
-          </a:blip>
-          <a:srcRect/>
-          <a:stretch>
-            <a:fillRect/>
-          </a:stretch>
-        </p:blipFill>
-        <p:spPr bwMode="auto">
+        </p:nvSpPr>
+        <p:spPr>
           <a:xfrm>
-            <a:off x="3429000" y="3200400"/>
-            <a:ext cx="2438400" cy="2438400"/>
+            <a:off x="0" y="2514600"/>
+            <a:ext cx="9144000" cy="2286000"/>
           </a:xfrm>
           <a:prstGeom prst="rect">
             <a:avLst/>
           </a:prstGeom>
-          <a:noFill/>
-          <a:extLst>
-            <a:ext uri="{909E8E84-426E-40DD-AFC4-6F175D3DCCD1}">
-              <a14:hiddenFill xmlns:a14="http://schemas.microsoft.com/office/drawing/2010/main">
+        </p:spPr>
+        <p:txBody>
+          <a:bodyPr vert="horz" lIns="91440" tIns="45720" rIns="91440" bIns="45720" rtlCol="0" anchor="ctr">
+            <a:noAutofit/>
+          </a:bodyPr>
+          <a:lstStyle>
+            <a:lvl1pPr algn="ctr" defTabSz="914400" rtl="0" eaLnBrk="1" latinLnBrk="0" hangingPunct="1">
+              <a:spcBef>
+                <a:spcPct val="0"/>
+              </a:spcBef>
+              <a:buNone/>
+              <a:defRPr sz="3200" kern="1200" cap="all" spc="200" baseline="0">
+                <a:ln>
+                  <a:noFill/>
+                </a:ln>
                 <a:solidFill>
-                  <a:srgbClr val="FFFFFF"/>
+                  <a:schemeClr val="bg1"/>
                 </a:solidFill>
-              </a14:hiddenFill>
-            </a:ext>
-          </a:extLst>
-        </p:spPr>
-      </p:pic>
+                <a:effectLst/>
+                <a:latin typeface="+mj-lt"/>
+                <a:ea typeface="+mj-ea"/>
+                <a:cs typeface="+mj-cs"/>
+              </a:defRPr>
+            </a:lvl1pPr>
+          </a:lstStyle>
+          <a:p>
+            <a:r>
+              <a:rPr lang="es-PE" sz="5400" dirty="0" smtClean="0">
+                <a:solidFill>
+                  <a:schemeClr val="tx1">
+                    <a:lumMod val="95000"/>
+                    <a:lumOff val="5000"/>
+                  </a:schemeClr>
+                </a:solidFill>
+              </a:rPr>
+              <a:t>DATOS ESTADÍSTICOS</a:t>
+            </a:r>
+            <a:endParaRPr lang="en-US" sz="5400" dirty="0">
+              <a:solidFill>
+                <a:schemeClr val="tx1">
+                  <a:lumMod val="95000"/>
+                  <a:lumOff val="5000"/>
+                </a:schemeClr>
+              </a:solidFill>
+            </a:endParaRPr>
+          </a:p>
+        </p:txBody>
+      </p:sp>
     </p:spTree>
     <p:extLst>
       <p:ext uri="{BB962C8B-B14F-4D97-AF65-F5344CB8AC3E}">
-        <p14:creationId xmlns:p14="http://schemas.microsoft.com/office/powerpoint/2010/main" val="1738794738"/>
+        <p14:creationId xmlns:p14="http://schemas.microsoft.com/office/powerpoint/2010/main" val="3634537244"/>
       </p:ext>
     </p:extLst>
   </p:cSld>
   <p:clrMapOvr>
     <a:masterClrMapping/>
   </p:clrMapOvr>
-  <p:timing>
-    <p:tnLst>
-      <p:par>
-        <p:cTn id="1" dur="indefinite" restart="never" nodeType="tmRoot"/>
-      </p:par>
-    </p:tnLst>
-  </p:timing>
 </p:sld>
 </file>
 
